--- a/이현섭/20201127_오후_ppt/주간업무보고_2020_11_27_ver_1.pptx
+++ b/이현섭/20201127_오후_ppt/주간업무보고_2020_11_27_ver_1.pptx
@@ -2999,12 +2999,22 @@
           <a:p>
             <a:r>
               <a:rPr lang="ko-KR" altLang="en-US" b="1" dirty="0" smtClean="0">
+                <a:solidFill>
+                  <a:schemeClr val="bg2">
+                    <a:lumMod val="50000"/>
+                  </a:schemeClr>
+                </a:solidFill>
                 <a:latin typeface="나눔고딕" panose="020D0604000000000000" pitchFamily="50" charset="-127"/>
                 <a:ea typeface="나눔고딕" panose="020D0604000000000000" pitchFamily="50" charset="-127"/>
               </a:rPr>
               <a:t>주간 업무 보고</a:t>
             </a:r>
             <a:endParaRPr lang="ko-KR" altLang="en-US" b="1" dirty="0">
+              <a:solidFill>
+                <a:schemeClr val="bg2">
+                  <a:lumMod val="50000"/>
+                </a:schemeClr>
+              </a:solidFill>
               <a:latin typeface="나눔고딕" panose="020D0604000000000000" pitchFamily="50" charset="-127"/>
               <a:ea typeface="나눔고딕" panose="020D0604000000000000" pitchFamily="50" charset="-127"/>
             </a:endParaRPr>
@@ -3035,20 +3045,34 @@
           <a:p>
             <a:pPr algn="r"/>
             <a:r>
-              <a:rPr lang="en-US" altLang="ko-KR" dirty="0" smtClean="0"/>
+              <a:rPr lang="en-US" altLang="ko-KR" dirty="0" smtClean="0">
+                <a:solidFill>
+                  <a:schemeClr val="bg2">
+                    <a:lumMod val="50000"/>
+                  </a:schemeClr>
+                </a:solidFill>
+              </a:rPr>
               <a:t>2020</a:t>
             </a:r>
             <a:r>
-              <a:rPr lang="en-US" altLang="ko-KR" dirty="0"/>
+              <a:rPr lang="en-US" altLang="ko-KR" dirty="0">
+                <a:solidFill>
+                  <a:schemeClr val="bg2">
+                    <a:lumMod val="50000"/>
+                  </a:schemeClr>
+                </a:solidFill>
+              </a:rPr>
               <a:t>.</a:t>
             </a:r>
             <a:r>
-              <a:rPr lang="en-US" altLang="ko-KR" dirty="0" smtClean="0"/>
-              <a:t> 11.23 ~</a:t>
-            </a:r>
-            <a:r>
-              <a:rPr lang="en-US" altLang="ko-KR" dirty="0" smtClean="0"/>
-              <a:t>11.27</a:t>
+              <a:rPr lang="en-US" altLang="ko-KR" dirty="0" smtClean="0">
+                <a:solidFill>
+                  <a:schemeClr val="bg2">
+                    <a:lumMod val="50000"/>
+                  </a:schemeClr>
+                </a:solidFill>
+              </a:rPr>
+              <a:t> 11.23 ~11.27</a:t>
             </a:r>
           </a:p>
           <a:p>
@@ -3056,56 +3080,118 @@
               <a:buAutoNum type="arabicPeriod"/>
             </a:pPr>
             <a:r>
-              <a:rPr lang="ko-KR" altLang="en-US" dirty="0" smtClean="0"/>
+              <a:rPr lang="ko-KR" altLang="en-US" dirty="0" smtClean="0">
+                <a:solidFill>
+                  <a:schemeClr val="bg2">
+                    <a:lumMod val="50000"/>
+                  </a:schemeClr>
+                </a:solidFill>
+              </a:rPr>
               <a:t>타임라인 스토리보드</a:t>
             </a:r>
-            <a:endParaRPr lang="en-US" altLang="ko-KR" dirty="0" smtClean="0"/>
+            <a:endParaRPr lang="en-US" altLang="ko-KR" dirty="0" smtClean="0">
+              <a:solidFill>
+                <a:schemeClr val="bg2">
+                  <a:lumMod val="50000"/>
+                </a:schemeClr>
+              </a:solidFill>
+            </a:endParaRPr>
           </a:p>
           <a:p>
             <a:pPr marL="457200" indent="-457200" algn="l">
               <a:buAutoNum type="arabicPeriod"/>
             </a:pPr>
             <a:r>
-              <a:rPr lang="ko-KR" altLang="en-US" dirty="0" err="1" smtClean="0"/>
-              <a:t>비대면계약</a:t>
-            </a:r>
-            <a:r>
-              <a:rPr lang="ko-KR" altLang="en-US" dirty="0" smtClean="0"/>
-              <a:t> </a:t>
-            </a:r>
-            <a:r>
-              <a:rPr lang="ko-KR" altLang="en-US" dirty="0" err="1" smtClean="0"/>
+              <a:rPr lang="ko-KR" altLang="en-US" dirty="0" smtClean="0">
+                <a:solidFill>
+                  <a:schemeClr val="bg2">
+                    <a:lumMod val="50000"/>
+                  </a:schemeClr>
+                </a:solidFill>
+              </a:rPr>
+              <a:t>비대면 </a:t>
+            </a:r>
+            <a:r>
+              <a:rPr lang="ko-KR" altLang="en-US" dirty="0" err="1" smtClean="0">
+                <a:solidFill>
+                  <a:schemeClr val="bg2">
+                    <a:lumMod val="50000"/>
+                  </a:schemeClr>
+                </a:solidFill>
+              </a:rPr>
               <a:t>전자계약</a:t>
             </a:r>
             <a:r>
-              <a:rPr lang="ko-KR" altLang="en-US" dirty="0" smtClean="0"/>
+              <a:rPr lang="ko-KR" altLang="en-US" dirty="0" smtClean="0">
+                <a:solidFill>
+                  <a:schemeClr val="bg2">
+                    <a:lumMod val="50000"/>
+                  </a:schemeClr>
+                </a:solidFill>
+              </a:rPr>
               <a:t> 플랫폼 서비스</a:t>
             </a:r>
-            <a:endParaRPr lang="en-US" altLang="ko-KR" dirty="0" smtClean="0"/>
+            <a:endParaRPr lang="en-US" altLang="ko-KR" dirty="0" smtClean="0">
+              <a:solidFill>
+                <a:schemeClr val="bg2">
+                  <a:lumMod val="50000"/>
+                </a:schemeClr>
+              </a:solidFill>
+            </a:endParaRPr>
           </a:p>
           <a:p>
             <a:pPr marL="457200" indent="-457200" algn="l">
               <a:buAutoNum type="arabicPeriod"/>
             </a:pPr>
             <a:r>
-              <a:rPr lang="ko-KR" altLang="en-US" dirty="0" smtClean="0"/>
+              <a:rPr lang="ko-KR" altLang="en-US" dirty="0" smtClean="0">
+                <a:solidFill>
+                  <a:schemeClr val="bg2">
+                    <a:lumMod val="50000"/>
+                  </a:schemeClr>
+                </a:solidFill>
+              </a:rPr>
               <a:t>공인중개사 전용 공유 오피스 운용</a:t>
             </a:r>
-            <a:endParaRPr lang="en-US" altLang="ko-KR" dirty="0" smtClean="0"/>
+            <a:endParaRPr lang="en-US" altLang="ko-KR" dirty="0" smtClean="0">
+              <a:solidFill>
+                <a:schemeClr val="bg2">
+                  <a:lumMod val="50000"/>
+                </a:schemeClr>
+              </a:solidFill>
+            </a:endParaRPr>
           </a:p>
           <a:p>
             <a:pPr marL="457200" indent="-457200" algn="l">
               <a:buAutoNum type="arabicPeriod"/>
             </a:pPr>
             <a:r>
-              <a:rPr lang="ko-KR" altLang="en-US" dirty="0" err="1" smtClean="0"/>
+              <a:rPr lang="ko-KR" altLang="en-US" dirty="0" err="1" smtClean="0">
+                <a:solidFill>
+                  <a:schemeClr val="bg2">
+                    <a:lumMod val="50000"/>
+                  </a:schemeClr>
+                </a:solidFill>
+              </a:rPr>
               <a:t>전자계약</a:t>
             </a:r>
             <a:r>
-              <a:rPr lang="ko-KR" altLang="en-US" dirty="0" smtClean="0"/>
+              <a:rPr lang="ko-KR" altLang="en-US" dirty="0" smtClean="0">
+                <a:solidFill>
+                  <a:schemeClr val="bg2">
+                    <a:lumMod val="50000"/>
+                  </a:schemeClr>
+                </a:solidFill>
+              </a:rPr>
               <a:t> 플랫폼 부대 이용 서비스</a:t>
             </a:r>
-            <a:endParaRPr lang="en-US" altLang="ko-KR" dirty="0" smtClean="0"/>
+            <a:endParaRPr lang="en-US" altLang="ko-KR" dirty="0" smtClean="0">
+              <a:solidFill>
+                <a:schemeClr val="bg2">
+                  <a:lumMod val="50000"/>
+                </a:schemeClr>
+              </a:solidFill>
+            </a:endParaRPr>
           </a:p>
           <a:p>
             <a:pPr marL="457200" indent="-457200" algn="l">
@@ -3113,32 +3199,74 @@
               <a:buAutoNum type="arabicPeriod"/>
             </a:pPr>
             <a:r>
-              <a:rPr lang="en-US" altLang="ko-KR" dirty="0" smtClean="0"/>
+              <a:rPr lang="en-US" altLang="ko-KR" dirty="0" smtClean="0">
+                <a:solidFill>
+                  <a:schemeClr val="bg2">
+                    <a:lumMod val="50000"/>
+                  </a:schemeClr>
+                </a:solidFill>
+              </a:rPr>
               <a:t>1588 </a:t>
             </a:r>
             <a:r>
-              <a:rPr lang="ko-KR" altLang="en-US" dirty="0" smtClean="0"/>
+              <a:rPr lang="ko-KR" altLang="en-US" dirty="0" smtClean="0">
+                <a:solidFill>
+                  <a:schemeClr val="bg2">
+                    <a:lumMod val="50000"/>
+                  </a:schemeClr>
+                </a:solidFill>
+              </a:rPr>
               <a:t>매도 </a:t>
             </a:r>
             <a:r>
-              <a:rPr lang="en-US" altLang="ko-KR" dirty="0" smtClean="0"/>
+              <a:rPr lang="en-US" altLang="ko-KR" dirty="0" smtClean="0">
+                <a:solidFill>
+                  <a:schemeClr val="bg2">
+                    <a:lumMod val="50000"/>
+                  </a:schemeClr>
+                </a:solidFill>
+              </a:rPr>
               <a:t>/ </a:t>
             </a:r>
             <a:r>
-              <a:rPr lang="ko-KR" altLang="en-US" dirty="0" smtClean="0"/>
+              <a:rPr lang="ko-KR" altLang="en-US" dirty="0" smtClean="0">
+                <a:solidFill>
+                  <a:schemeClr val="bg2">
+                    <a:lumMod val="50000"/>
+                  </a:schemeClr>
+                </a:solidFill>
+              </a:rPr>
               <a:t>매수 </a:t>
             </a:r>
             <a:r>
-              <a:rPr lang="ko-KR" altLang="en-US" dirty="0" err="1" smtClean="0"/>
+              <a:rPr lang="ko-KR" altLang="en-US" dirty="0" err="1" smtClean="0">
+                <a:solidFill>
+                  <a:schemeClr val="bg2">
+                    <a:lumMod val="50000"/>
+                  </a:schemeClr>
+                </a:solidFill>
+              </a:rPr>
               <a:t>콜서비스</a:t>
             </a:r>
-            <a:endParaRPr lang="en-US" altLang="ko-KR" dirty="0"/>
+            <a:endParaRPr lang="en-US" altLang="ko-KR" dirty="0">
+              <a:solidFill>
+                <a:schemeClr val="bg2">
+                  <a:lumMod val="50000"/>
+                </a:schemeClr>
+              </a:solidFill>
+            </a:endParaRPr>
           </a:p>
           <a:p>
             <a:pPr marL="457200" indent="-457200" algn="l">
               <a:buAutoNum type="arabicPeriod"/>
             </a:pPr>
-            <a:endParaRPr lang="ko-KR" altLang="en-US" dirty="0"/>
+            <a:endParaRPr lang="ko-KR" altLang="en-US" dirty="0">
+              <a:solidFill>
+                <a:schemeClr val="bg2">
+                  <a:lumMod val="50000"/>
+                </a:schemeClr>
+              </a:solidFill>
+            </a:endParaRPr>
           </a:p>
         </p:txBody>
       </p:sp>
@@ -3610,7 +3738,7 @@
         </p:nvSpPr>
         <p:spPr>
           <a:xfrm>
-            <a:off x="838200" y="2709311"/>
+            <a:off x="838200" y="4346918"/>
             <a:ext cx="10515600" cy="1325563"/>
           </a:xfrm>
         </p:spPr>
@@ -3644,6 +3772,375 @@
               <a:t>.</a:t>
             </a:r>
             <a:endParaRPr lang="ko-KR" altLang="en-US" dirty="0">
+              <a:solidFill>
+                <a:schemeClr val="bg2">
+                  <a:lumMod val="50000"/>
+                </a:schemeClr>
+              </a:solidFill>
+              <a:latin typeface="나눔고딕" panose="020D0604000000000000" pitchFamily="50" charset="-127"/>
+              <a:ea typeface="나눔고딕" panose="020D0604000000000000" pitchFamily="50" charset="-127"/>
+            </a:endParaRPr>
+          </a:p>
+        </p:txBody>
+      </p:sp>
+      <p:sp>
+        <p:nvSpPr>
+          <p:cNvPr id="3" name="TextBox 2"/>
+          <p:cNvSpPr txBox="1"/>
+          <p:nvPr/>
+        </p:nvSpPr>
+        <p:spPr>
+          <a:xfrm>
+            <a:off x="2998035" y="1371602"/>
+            <a:ext cx="6195927" cy="338554"/>
+          </a:xfrm>
+          <a:prstGeom prst="rect">
+            <a:avLst/>
+          </a:prstGeom>
+          <a:noFill/>
+        </p:spPr>
+        <p:txBody>
+          <a:bodyPr wrap="none" rtlCol="0">
+            <a:spAutoFit/>
+          </a:bodyPr>
+          <a:lstStyle/>
+          <a:p>
+            <a:pPr algn="ctr"/>
+            <a:r>
+              <a:rPr lang="ko-KR" altLang="en-US" sz="1600" b="1" dirty="0" smtClean="0">
+                <a:solidFill>
+                  <a:schemeClr val="bg2">
+                    <a:lumMod val="50000"/>
+                  </a:schemeClr>
+                </a:solidFill>
+                <a:latin typeface="나눔고딕" panose="020D0604000000000000" pitchFamily="50" charset="-127"/>
+                <a:ea typeface="나눔고딕" panose="020D0604000000000000" pitchFamily="50" charset="-127"/>
+              </a:rPr>
+              <a:t>김혁 책임연구원 </a:t>
+            </a:r>
+            <a:r>
+              <a:rPr lang="en-US" altLang="ko-KR" sz="1600" b="1" dirty="0" smtClean="0">
+                <a:solidFill>
+                  <a:schemeClr val="bg2">
+                    <a:lumMod val="50000"/>
+                  </a:schemeClr>
+                </a:solidFill>
+                <a:latin typeface="나눔고딕" panose="020D0604000000000000" pitchFamily="50" charset="-127"/>
+                <a:ea typeface="나눔고딕" panose="020D0604000000000000" pitchFamily="50" charset="-127"/>
+              </a:rPr>
+              <a:t>– </a:t>
+            </a:r>
+            <a:r>
+              <a:rPr lang="ko-KR" altLang="en-US" sz="1600" b="1" dirty="0" smtClean="0">
+                <a:solidFill>
+                  <a:schemeClr val="bg2">
+                    <a:lumMod val="50000"/>
+                  </a:schemeClr>
+                </a:solidFill>
+                <a:latin typeface="나눔고딕" panose="020D0604000000000000" pitchFamily="50" charset="-127"/>
+                <a:ea typeface="나눔고딕" panose="020D0604000000000000" pitchFamily="50" charset="-127"/>
+              </a:rPr>
+              <a:t>홈페이지 베이스 및 색감 디자인  </a:t>
+            </a:r>
+            <a:r>
+              <a:rPr lang="en-US" altLang="ko-KR" sz="1600" b="1" dirty="0" smtClean="0">
+                <a:solidFill>
+                  <a:schemeClr val="bg2">
+                    <a:lumMod val="50000"/>
+                  </a:schemeClr>
+                </a:solidFill>
+                <a:latin typeface="나눔고딕" panose="020D0604000000000000" pitchFamily="50" charset="-127"/>
+                <a:ea typeface="나눔고딕" panose="020D0604000000000000" pitchFamily="50" charset="-127"/>
+              </a:rPr>
+              <a:t>/ </a:t>
+            </a:r>
+            <a:r>
+              <a:rPr lang="ko-KR" altLang="en-US" sz="1600" b="1" dirty="0" smtClean="0">
+                <a:solidFill>
+                  <a:schemeClr val="bg2">
+                    <a:lumMod val="50000"/>
+                  </a:schemeClr>
+                </a:solidFill>
+                <a:latin typeface="나눔고딕" panose="020D0604000000000000" pitchFamily="50" charset="-127"/>
+                <a:ea typeface="나눔고딕" panose="020D0604000000000000" pitchFamily="50" charset="-127"/>
+              </a:rPr>
+              <a:t>서식 </a:t>
+            </a:r>
+            <a:r>
+              <a:rPr lang="en-US" altLang="ko-KR" sz="1600" b="1" dirty="0" smtClean="0">
+                <a:solidFill>
+                  <a:schemeClr val="bg2">
+                    <a:lumMod val="50000"/>
+                  </a:schemeClr>
+                </a:solidFill>
+                <a:latin typeface="나눔고딕" panose="020D0604000000000000" pitchFamily="50" charset="-127"/>
+                <a:ea typeface="나눔고딕" panose="020D0604000000000000" pitchFamily="50" charset="-127"/>
+              </a:rPr>
+              <a:t>PPT </a:t>
+            </a:r>
+            <a:r>
+              <a:rPr lang="ko-KR" altLang="en-US" sz="1600" b="1" dirty="0" smtClean="0">
+                <a:solidFill>
+                  <a:schemeClr val="bg2">
+                    <a:lumMod val="50000"/>
+                  </a:schemeClr>
+                </a:solidFill>
+                <a:latin typeface="나눔고딕" panose="020D0604000000000000" pitchFamily="50" charset="-127"/>
+                <a:ea typeface="나눔고딕" panose="020D0604000000000000" pitchFamily="50" charset="-127"/>
+              </a:rPr>
+              <a:t>디자인</a:t>
+            </a:r>
+            <a:endParaRPr lang="ko-KR" altLang="en-US" sz="1600" b="1" dirty="0">
+              <a:solidFill>
+                <a:schemeClr val="bg2">
+                  <a:lumMod val="50000"/>
+                </a:schemeClr>
+              </a:solidFill>
+              <a:latin typeface="나눔고딕" panose="020D0604000000000000" pitchFamily="50" charset="-127"/>
+              <a:ea typeface="나눔고딕" panose="020D0604000000000000" pitchFamily="50" charset="-127"/>
+            </a:endParaRPr>
+          </a:p>
+        </p:txBody>
+      </p:sp>
+      <p:sp>
+        <p:nvSpPr>
+          <p:cNvPr id="4" name="TextBox 3"/>
+          <p:cNvSpPr txBox="1"/>
+          <p:nvPr/>
+        </p:nvSpPr>
+        <p:spPr>
+          <a:xfrm>
+            <a:off x="3076583" y="1994771"/>
+            <a:ext cx="6038833" cy="338554"/>
+          </a:xfrm>
+          <a:prstGeom prst="rect">
+            <a:avLst/>
+          </a:prstGeom>
+          <a:noFill/>
+        </p:spPr>
+        <p:txBody>
+          <a:bodyPr wrap="none" rtlCol="0">
+            <a:spAutoFit/>
+          </a:bodyPr>
+          <a:lstStyle/>
+          <a:p>
+            <a:pPr algn="ctr"/>
+            <a:r>
+              <a:rPr lang="ko-KR" altLang="en-US" sz="1600" b="1" dirty="0" smtClean="0">
+                <a:solidFill>
+                  <a:schemeClr val="bg2">
+                    <a:lumMod val="50000"/>
+                  </a:schemeClr>
+                </a:solidFill>
+                <a:latin typeface="나눔고딕" panose="020D0604000000000000" pitchFamily="50" charset="-127"/>
+                <a:ea typeface="나눔고딕" panose="020D0604000000000000" pitchFamily="50" charset="-127"/>
+              </a:rPr>
+              <a:t>정량화 주임 </a:t>
+            </a:r>
+            <a:r>
+              <a:rPr lang="en-US" altLang="ko-KR" sz="1600" b="1" dirty="0" smtClean="0">
+                <a:solidFill>
+                  <a:schemeClr val="bg2">
+                    <a:lumMod val="50000"/>
+                  </a:schemeClr>
+                </a:solidFill>
+                <a:latin typeface="나눔고딕" panose="020D0604000000000000" pitchFamily="50" charset="-127"/>
+                <a:ea typeface="나눔고딕" panose="020D0604000000000000" pitchFamily="50" charset="-127"/>
+              </a:rPr>
+              <a:t>– </a:t>
+            </a:r>
+            <a:r>
+              <a:rPr lang="ko-KR" altLang="en-US" sz="1600" b="1" dirty="0" smtClean="0">
+                <a:solidFill>
+                  <a:schemeClr val="bg2">
+                    <a:lumMod val="50000"/>
+                  </a:schemeClr>
+                </a:solidFill>
+                <a:latin typeface="나눔고딕" panose="020D0604000000000000" pitchFamily="50" charset="-127"/>
+                <a:ea typeface="나눔고딕" panose="020D0604000000000000" pitchFamily="50" charset="-127"/>
+              </a:rPr>
+              <a:t>초기 홈페이지 레이아웃 및 디자인  </a:t>
+            </a:r>
+            <a:r>
+              <a:rPr lang="en-US" altLang="ko-KR" sz="1600" b="1" dirty="0" smtClean="0">
+                <a:solidFill>
+                  <a:schemeClr val="bg2">
+                    <a:lumMod val="50000"/>
+                  </a:schemeClr>
+                </a:solidFill>
+                <a:latin typeface="나눔고딕" panose="020D0604000000000000" pitchFamily="50" charset="-127"/>
+                <a:ea typeface="나눔고딕" panose="020D0604000000000000" pitchFamily="50" charset="-127"/>
+              </a:rPr>
+              <a:t>/ </a:t>
+            </a:r>
+            <a:r>
+              <a:rPr lang="ko-KR" altLang="en-US" sz="1600" b="1" dirty="0" smtClean="0">
+                <a:solidFill>
+                  <a:schemeClr val="bg2">
+                    <a:lumMod val="50000"/>
+                  </a:schemeClr>
+                </a:solidFill>
+                <a:latin typeface="나눔고딕" panose="020D0604000000000000" pitchFamily="50" charset="-127"/>
+                <a:ea typeface="나눔고딕" panose="020D0604000000000000" pitchFamily="50" charset="-127"/>
+              </a:rPr>
+              <a:t>안내 동영상 제작</a:t>
+            </a:r>
+            <a:endParaRPr lang="ko-KR" altLang="en-US" sz="1600" b="1" dirty="0">
+              <a:solidFill>
+                <a:schemeClr val="bg2">
+                  <a:lumMod val="50000"/>
+                </a:schemeClr>
+              </a:solidFill>
+              <a:latin typeface="나눔고딕" panose="020D0604000000000000" pitchFamily="50" charset="-127"/>
+              <a:ea typeface="나눔고딕" panose="020D0604000000000000" pitchFamily="50" charset="-127"/>
+            </a:endParaRPr>
+          </a:p>
+        </p:txBody>
+      </p:sp>
+      <p:sp>
+        <p:nvSpPr>
+          <p:cNvPr id="5" name="TextBox 4"/>
+          <p:cNvSpPr txBox="1"/>
+          <p:nvPr/>
+        </p:nvSpPr>
+        <p:spPr>
+          <a:xfrm>
+            <a:off x="2749571" y="2617940"/>
+            <a:ext cx="6692858" cy="338554"/>
+          </a:xfrm>
+          <a:prstGeom prst="rect">
+            <a:avLst/>
+          </a:prstGeom>
+          <a:noFill/>
+        </p:spPr>
+        <p:txBody>
+          <a:bodyPr wrap="none" rtlCol="0">
+            <a:spAutoFit/>
+          </a:bodyPr>
+          <a:lstStyle/>
+          <a:p>
+            <a:pPr algn="ctr"/>
+            <a:r>
+              <a:rPr lang="ko-KR" altLang="en-US" sz="1600" b="1" dirty="0" err="1" smtClean="0">
+                <a:solidFill>
+                  <a:schemeClr val="bg2">
+                    <a:lumMod val="50000"/>
+                  </a:schemeClr>
+                </a:solidFill>
+                <a:latin typeface="나눔고딕" panose="020D0604000000000000" pitchFamily="50" charset="-127"/>
+                <a:ea typeface="나눔고딕" panose="020D0604000000000000" pitchFamily="50" charset="-127"/>
+              </a:rPr>
+              <a:t>이현섭</a:t>
+            </a:r>
+            <a:r>
+              <a:rPr lang="ko-KR" altLang="en-US" sz="1600" b="1" dirty="0" smtClean="0">
+                <a:solidFill>
+                  <a:schemeClr val="bg2">
+                    <a:lumMod val="50000"/>
+                  </a:schemeClr>
+                </a:solidFill>
+                <a:latin typeface="나눔고딕" panose="020D0604000000000000" pitchFamily="50" charset="-127"/>
+                <a:ea typeface="나눔고딕" panose="020D0604000000000000" pitchFamily="50" charset="-127"/>
+              </a:rPr>
+              <a:t> 팀장 </a:t>
+            </a:r>
+            <a:r>
+              <a:rPr lang="en-US" altLang="ko-KR" sz="1600" b="1" dirty="0" smtClean="0">
+                <a:solidFill>
+                  <a:schemeClr val="bg2">
+                    <a:lumMod val="50000"/>
+                  </a:schemeClr>
+                </a:solidFill>
+                <a:latin typeface="나눔고딕" panose="020D0604000000000000" pitchFamily="50" charset="-127"/>
+                <a:ea typeface="나눔고딕" panose="020D0604000000000000" pitchFamily="50" charset="-127"/>
+              </a:rPr>
+              <a:t>– </a:t>
+            </a:r>
+            <a:r>
+              <a:rPr lang="ko-KR" altLang="en-US" sz="1600" b="1" dirty="0" smtClean="0">
+                <a:solidFill>
+                  <a:schemeClr val="bg2">
+                    <a:lumMod val="50000"/>
+                  </a:schemeClr>
+                </a:solidFill>
+                <a:latin typeface="나눔고딕" panose="020D0604000000000000" pitchFamily="50" charset="-127"/>
+                <a:ea typeface="나눔고딕" panose="020D0604000000000000" pitchFamily="50" charset="-127"/>
+              </a:rPr>
+              <a:t>홈페이지 </a:t>
+            </a:r>
+            <a:r>
+              <a:rPr lang="ko-KR" altLang="en-US" sz="1600" b="1" dirty="0" err="1" smtClean="0">
+                <a:solidFill>
+                  <a:schemeClr val="bg2">
+                    <a:lumMod val="50000"/>
+                  </a:schemeClr>
+                </a:solidFill>
+                <a:latin typeface="나눔고딕" panose="020D0604000000000000" pitchFamily="50" charset="-127"/>
+                <a:ea typeface="나눔고딕" panose="020D0604000000000000" pitchFamily="50" charset="-127"/>
+              </a:rPr>
+              <a:t>웹퍼블리싱</a:t>
+            </a:r>
+            <a:r>
+              <a:rPr lang="ko-KR" altLang="en-US" sz="1600" b="1" dirty="0" smtClean="0">
+                <a:solidFill>
+                  <a:schemeClr val="bg2">
+                    <a:lumMod val="50000"/>
+                  </a:schemeClr>
+                </a:solidFill>
+                <a:latin typeface="나눔고딕" panose="020D0604000000000000" pitchFamily="50" charset="-127"/>
+                <a:ea typeface="나눔고딕" panose="020D0604000000000000" pitchFamily="50" charset="-127"/>
+              </a:rPr>
+              <a:t> </a:t>
+            </a:r>
+            <a:r>
+              <a:rPr lang="en-US" altLang="ko-KR" sz="1600" b="1" dirty="0" smtClean="0">
+                <a:solidFill>
+                  <a:schemeClr val="bg2">
+                    <a:lumMod val="50000"/>
+                  </a:schemeClr>
+                </a:solidFill>
+                <a:latin typeface="나눔고딕" panose="020D0604000000000000" pitchFamily="50" charset="-127"/>
+                <a:ea typeface="나눔고딕" panose="020D0604000000000000" pitchFamily="50" charset="-127"/>
+              </a:rPr>
+              <a:t>/ </a:t>
+            </a:r>
+            <a:r>
+              <a:rPr lang="ko-KR" altLang="en-US" sz="1600" b="1" dirty="0" smtClean="0">
+                <a:solidFill>
+                  <a:schemeClr val="bg2">
+                    <a:lumMod val="50000"/>
+                  </a:schemeClr>
+                </a:solidFill>
+                <a:latin typeface="나눔고딕" panose="020D0604000000000000" pitchFamily="50" charset="-127"/>
+                <a:ea typeface="나눔고딕" panose="020D0604000000000000" pitchFamily="50" charset="-127"/>
+              </a:rPr>
+              <a:t>서비스 홈페이지 필요 기능 검토 </a:t>
+            </a:r>
+            <a:r>
+              <a:rPr lang="en-US" altLang="ko-KR" sz="1600" b="1" dirty="0" smtClean="0">
+                <a:solidFill>
+                  <a:schemeClr val="bg2">
+                    <a:lumMod val="50000"/>
+                  </a:schemeClr>
+                </a:solidFill>
+                <a:latin typeface="나눔고딕" panose="020D0604000000000000" pitchFamily="50" charset="-127"/>
+                <a:ea typeface="나눔고딕" panose="020D0604000000000000" pitchFamily="50" charset="-127"/>
+              </a:rPr>
+              <a:t>/ </a:t>
+            </a:r>
+            <a:r>
+              <a:rPr lang="ko-KR" altLang="en-US" sz="1600" b="1" dirty="0" smtClean="0">
+                <a:solidFill>
+                  <a:schemeClr val="bg2">
+                    <a:lumMod val="50000"/>
+                  </a:schemeClr>
+                </a:solidFill>
+                <a:latin typeface="나눔고딕" panose="020D0604000000000000" pitchFamily="50" charset="-127"/>
+                <a:ea typeface="나눔고딕" panose="020D0604000000000000" pitchFamily="50" charset="-127"/>
+              </a:rPr>
+              <a:t>발표</a:t>
+            </a:r>
+            <a:endParaRPr lang="ko-KR" altLang="en-US" sz="1600" b="1" dirty="0">
               <a:solidFill>
                 <a:schemeClr val="bg2">
                   <a:lumMod val="50000"/>

--- a/이현섭/20201127_오후_ppt/주간업무보고_2020_11_27_ver_1.pptx
+++ b/이현섭/20201127_오후_ppt/주간업무보고_2020_11_27_ver_1.pptx
@@ -13,7 +13,8 @@
     <p:sldId id="261" r:id="rId7"/>
     <p:sldId id="264" r:id="rId8"/>
     <p:sldId id="262" r:id="rId9"/>
-    <p:sldId id="263" r:id="rId10"/>
+    <p:sldId id="265" r:id="rId10"/>
+    <p:sldId id="263" r:id="rId11"/>
   </p:sldIdLst>
   <p:sldSz cx="12192000" cy="6858000"/>
   <p:notesSz cx="6858000" cy="9144000"/>
@@ -3290,6 +3291,661 @@
 </p:sld>
 </file>
 
+<file path=ppt/slides/slide10.xml><?xml version="1.0" encoding="utf-8"?>
+<p:sld xmlns:a="http://schemas.openxmlformats.org/drawingml/2006/main" xmlns:r="http://schemas.openxmlformats.org/officeDocument/2006/relationships" xmlns:p="http://schemas.openxmlformats.org/presentationml/2006/main">
+  <p:cSld>
+    <p:spTree>
+      <p:nvGrpSpPr>
+        <p:cNvPr id="1" name=""/>
+        <p:cNvGrpSpPr/>
+        <p:nvPr/>
+      </p:nvGrpSpPr>
+      <p:grpSpPr>
+        <a:xfrm>
+          <a:off x="0" y="0"/>
+          <a:ext cx="0" cy="0"/>
+          <a:chOff x="0" y="0"/>
+          <a:chExt cx="0" cy="0"/>
+        </a:xfrm>
+      </p:grpSpPr>
+      <p:sp>
+        <p:nvSpPr>
+          <p:cNvPr id="6" name="TextBox 5"/>
+          <p:cNvSpPr txBox="1"/>
+          <p:nvPr/>
+        </p:nvSpPr>
+        <p:spPr>
+          <a:xfrm>
+            <a:off x="1192800" y="760836"/>
+            <a:ext cx="1581165" cy="338554"/>
+          </a:xfrm>
+          <a:prstGeom prst="rect">
+            <a:avLst/>
+          </a:prstGeom>
+          <a:noFill/>
+        </p:spPr>
+        <p:txBody>
+          <a:bodyPr wrap="square" rtlCol="0">
+            <a:spAutoFit/>
+          </a:bodyPr>
+          <a:lstStyle/>
+          <a:p>
+            <a:r>
+              <a:rPr lang="en-US" altLang="ko-KR" sz="1600" b="1" dirty="0" smtClean="0">
+                <a:solidFill>
+                  <a:schemeClr val="bg2">
+                    <a:lumMod val="50000"/>
+                  </a:schemeClr>
+                </a:solidFill>
+                <a:latin typeface="나눔고딕" panose="020D0604000000000000" pitchFamily="50" charset="-127"/>
+                <a:ea typeface="나눔고딕" panose="020D0604000000000000" pitchFamily="50" charset="-127"/>
+              </a:rPr>
+              <a:t>PPT </a:t>
+            </a:r>
+            <a:r>
+              <a:rPr lang="ko-KR" altLang="en-US" sz="1600" b="1" dirty="0" smtClean="0">
+                <a:solidFill>
+                  <a:schemeClr val="bg2">
+                    <a:lumMod val="50000"/>
+                  </a:schemeClr>
+                </a:solidFill>
+                <a:latin typeface="나눔고딕" panose="020D0604000000000000" pitchFamily="50" charset="-127"/>
+                <a:ea typeface="나눔고딕" panose="020D0604000000000000" pitchFamily="50" charset="-127"/>
+              </a:rPr>
+              <a:t>디자인  </a:t>
+            </a:r>
+            <a:r>
+              <a:rPr lang="en-US" altLang="ko-KR" sz="1600" b="1" dirty="0" smtClean="0">
+                <a:solidFill>
+                  <a:schemeClr val="bg2">
+                    <a:lumMod val="50000"/>
+                  </a:schemeClr>
+                </a:solidFill>
+                <a:latin typeface="나눔고딕" panose="020D0604000000000000" pitchFamily="50" charset="-127"/>
+                <a:ea typeface="나눔고딕" panose="020D0604000000000000" pitchFamily="50" charset="-127"/>
+              </a:rPr>
+              <a:t>– 1</a:t>
+            </a:r>
+            <a:endParaRPr lang="ko-KR" altLang="en-US" sz="1600" b="1" dirty="0">
+              <a:solidFill>
+                <a:schemeClr val="bg2">
+                  <a:lumMod val="50000"/>
+                </a:schemeClr>
+              </a:solidFill>
+              <a:latin typeface="나눔고딕" panose="020D0604000000000000" pitchFamily="50" charset="-127"/>
+              <a:ea typeface="나눔고딕" panose="020D0604000000000000" pitchFamily="50" charset="-127"/>
+            </a:endParaRPr>
+          </a:p>
+        </p:txBody>
+      </p:sp>
+      <p:sp>
+        <p:nvSpPr>
+          <p:cNvPr id="13" name="TextBox 12">
+            <a:hlinkClick r:id="rId2" action="ppaction://hlinksldjump"/>
+          </p:cNvPr>
+          <p:cNvSpPr txBox="1"/>
+          <p:nvPr/>
+        </p:nvSpPr>
+        <p:spPr>
+          <a:xfrm>
+            <a:off x="7565544" y="6363091"/>
+            <a:ext cx="954107" cy="338554"/>
+          </a:xfrm>
+          <a:prstGeom prst="rect">
+            <a:avLst/>
+          </a:prstGeom>
+          <a:noFill/>
+        </p:spPr>
+        <p:txBody>
+          <a:bodyPr wrap="none" rtlCol="0">
+            <a:spAutoFit/>
+          </a:bodyPr>
+          <a:lstStyle/>
+          <a:p>
+            <a:r>
+              <a:rPr lang="ko-KR" altLang="en-US" sz="1600" b="1" dirty="0" smtClean="0">
+                <a:solidFill>
+                  <a:schemeClr val="bg2">
+                    <a:lumMod val="50000"/>
+                  </a:schemeClr>
+                </a:solidFill>
+                <a:latin typeface="나눔고딕" panose="020D0604000000000000" pitchFamily="50" charset="-127"/>
+                <a:ea typeface="나눔고딕" panose="020D0604000000000000" pitchFamily="50" charset="-127"/>
+              </a:rPr>
+              <a:t>돌아가기</a:t>
+            </a:r>
+            <a:endParaRPr lang="ko-KR" altLang="en-US" sz="1600" b="1" dirty="0">
+              <a:solidFill>
+                <a:schemeClr val="bg2">
+                  <a:lumMod val="50000"/>
+                </a:schemeClr>
+              </a:solidFill>
+              <a:latin typeface="나눔고딕" panose="020D0604000000000000" pitchFamily="50" charset="-127"/>
+              <a:ea typeface="나눔고딕" panose="020D0604000000000000" pitchFamily="50" charset="-127"/>
+            </a:endParaRPr>
+          </a:p>
+        </p:txBody>
+      </p:sp>
+      <p:pic>
+        <p:nvPicPr>
+          <p:cNvPr id="2" name="그림 1"/>
+          <p:cNvPicPr>
+            <a:picLocks noChangeAspect="1"/>
+          </p:cNvPicPr>
+          <p:nvPr/>
+        </p:nvPicPr>
+        <p:blipFill>
+          <a:blip r:embed="rId3" cstate="print">
+            <a:extLst>
+              <a:ext uri="{28A0092B-C50C-407E-A947-70E740481C1C}">
+                <a14:useLocalDpi xmlns:a14="http://schemas.microsoft.com/office/drawing/2010/main" val="0"/>
+              </a:ext>
+            </a:extLst>
+          </a:blip>
+          <a:stretch>
+            <a:fillRect/>
+          </a:stretch>
+        </p:blipFill>
+        <p:spPr>
+          <a:xfrm>
+            <a:off x="1192801" y="1605479"/>
+            <a:ext cx="1945445" cy="1094313"/>
+          </a:xfrm>
+          <a:prstGeom prst="rect">
+            <a:avLst/>
+          </a:prstGeom>
+          <a:ln>
+            <a:noFill/>
+          </a:ln>
+          <a:effectLst>
+            <a:outerShdw blurRad="292100" dist="139700" dir="2700000" algn="tl" rotWithShape="0">
+              <a:srgbClr val="333333">
+                <a:alpha val="65000"/>
+              </a:srgbClr>
+            </a:outerShdw>
+          </a:effectLst>
+        </p:spPr>
+      </p:pic>
+      <p:pic>
+        <p:nvPicPr>
+          <p:cNvPr id="3" name="그림 2"/>
+          <p:cNvPicPr>
+            <a:picLocks noChangeAspect="1"/>
+          </p:cNvPicPr>
+          <p:nvPr/>
+        </p:nvPicPr>
+        <p:blipFill>
+          <a:blip r:embed="rId4" cstate="print">
+            <a:extLst>
+              <a:ext uri="{28A0092B-C50C-407E-A947-70E740481C1C}">
+                <a14:useLocalDpi xmlns:a14="http://schemas.microsoft.com/office/drawing/2010/main" val="0"/>
+              </a:ext>
+            </a:extLst>
+          </a:blip>
+          <a:stretch>
+            <a:fillRect/>
+          </a:stretch>
+        </p:blipFill>
+        <p:spPr>
+          <a:xfrm>
+            <a:off x="1192800" y="3205880"/>
+            <a:ext cx="1945445" cy="1094313"/>
+          </a:xfrm>
+          <a:prstGeom prst="rect">
+            <a:avLst/>
+          </a:prstGeom>
+          <a:ln>
+            <a:noFill/>
+          </a:ln>
+          <a:effectLst>
+            <a:outerShdw blurRad="292100" dist="139700" dir="2700000" algn="tl" rotWithShape="0">
+              <a:srgbClr val="333333">
+                <a:alpha val="65000"/>
+              </a:srgbClr>
+            </a:outerShdw>
+          </a:effectLst>
+        </p:spPr>
+      </p:pic>
+      <p:pic>
+        <p:nvPicPr>
+          <p:cNvPr id="4" name="그림 3"/>
+          <p:cNvPicPr>
+            <a:picLocks noChangeAspect="1"/>
+          </p:cNvPicPr>
+          <p:nvPr/>
+        </p:nvPicPr>
+        <p:blipFill>
+          <a:blip r:embed="rId5" cstate="print">
+            <a:extLst>
+              <a:ext uri="{28A0092B-C50C-407E-A947-70E740481C1C}">
+                <a14:useLocalDpi xmlns:a14="http://schemas.microsoft.com/office/drawing/2010/main" val="0"/>
+              </a:ext>
+            </a:extLst>
+          </a:blip>
+          <a:stretch>
+            <a:fillRect/>
+          </a:stretch>
+        </p:blipFill>
+        <p:spPr>
+          <a:xfrm>
+            <a:off x="1192800" y="4806282"/>
+            <a:ext cx="1945445" cy="1094313"/>
+          </a:xfrm>
+          <a:prstGeom prst="rect">
+            <a:avLst/>
+          </a:prstGeom>
+          <a:ln>
+            <a:noFill/>
+          </a:ln>
+          <a:effectLst>
+            <a:outerShdw blurRad="292100" dist="139700" dir="2700000" algn="tl" rotWithShape="0">
+              <a:srgbClr val="333333">
+                <a:alpha val="65000"/>
+              </a:srgbClr>
+            </a:outerShdw>
+          </a:effectLst>
+        </p:spPr>
+      </p:pic>
+      <p:pic>
+        <p:nvPicPr>
+          <p:cNvPr id="7" name="그림 6"/>
+          <p:cNvPicPr>
+            <a:picLocks noChangeAspect="1"/>
+          </p:cNvPicPr>
+          <p:nvPr/>
+        </p:nvPicPr>
+        <p:blipFill>
+          <a:blip r:embed="rId6" cstate="print">
+            <a:extLst>
+              <a:ext uri="{28A0092B-C50C-407E-A947-70E740481C1C}">
+                <a14:useLocalDpi xmlns:a14="http://schemas.microsoft.com/office/drawing/2010/main" val="0"/>
+              </a:ext>
+            </a:extLst>
+          </a:blip>
+          <a:stretch>
+            <a:fillRect/>
+          </a:stretch>
+        </p:blipFill>
+        <p:spPr>
+          <a:xfrm>
+            <a:off x="4989120" y="1605479"/>
+            <a:ext cx="1945445" cy="1094313"/>
+          </a:xfrm>
+          <a:prstGeom prst="rect">
+            <a:avLst/>
+          </a:prstGeom>
+          <a:ln>
+            <a:noFill/>
+          </a:ln>
+          <a:effectLst>
+            <a:outerShdw blurRad="292100" dist="139700" dir="2700000" algn="tl" rotWithShape="0">
+              <a:srgbClr val="333333">
+                <a:alpha val="65000"/>
+              </a:srgbClr>
+            </a:outerShdw>
+          </a:effectLst>
+        </p:spPr>
+      </p:pic>
+      <p:pic>
+        <p:nvPicPr>
+          <p:cNvPr id="12" name="그림 11"/>
+          <p:cNvPicPr>
+            <a:picLocks noChangeAspect="1"/>
+          </p:cNvPicPr>
+          <p:nvPr/>
+        </p:nvPicPr>
+        <p:blipFill>
+          <a:blip r:embed="rId7" cstate="print">
+            <a:extLst>
+              <a:ext uri="{28A0092B-C50C-407E-A947-70E740481C1C}">
+                <a14:useLocalDpi xmlns:a14="http://schemas.microsoft.com/office/drawing/2010/main" val="0"/>
+              </a:ext>
+            </a:extLst>
+          </a:blip>
+          <a:stretch>
+            <a:fillRect/>
+          </a:stretch>
+        </p:blipFill>
+        <p:spPr>
+          <a:xfrm>
+            <a:off x="4989121" y="3205880"/>
+            <a:ext cx="1945445" cy="1094313"/>
+          </a:xfrm>
+          <a:prstGeom prst="rect">
+            <a:avLst/>
+          </a:prstGeom>
+          <a:ln>
+            <a:noFill/>
+          </a:ln>
+          <a:effectLst>
+            <a:outerShdw blurRad="292100" dist="139700" dir="2700000" algn="tl" rotWithShape="0">
+              <a:srgbClr val="333333">
+                <a:alpha val="65000"/>
+              </a:srgbClr>
+            </a:outerShdw>
+          </a:effectLst>
+        </p:spPr>
+      </p:pic>
+      <p:pic>
+        <p:nvPicPr>
+          <p:cNvPr id="14" name="그림 13"/>
+          <p:cNvPicPr>
+            <a:picLocks noChangeAspect="1"/>
+          </p:cNvPicPr>
+          <p:nvPr/>
+        </p:nvPicPr>
+        <p:blipFill>
+          <a:blip r:embed="rId8" cstate="print">
+            <a:extLst>
+              <a:ext uri="{28A0092B-C50C-407E-A947-70E740481C1C}">
+                <a14:useLocalDpi xmlns:a14="http://schemas.microsoft.com/office/drawing/2010/main" val="0"/>
+              </a:ext>
+            </a:extLst>
+          </a:blip>
+          <a:stretch>
+            <a:fillRect/>
+          </a:stretch>
+        </p:blipFill>
+        <p:spPr>
+          <a:xfrm>
+            <a:off x="4989122" y="4806281"/>
+            <a:ext cx="1945445" cy="1094313"/>
+          </a:xfrm>
+          <a:prstGeom prst="rect">
+            <a:avLst/>
+          </a:prstGeom>
+          <a:ln>
+            <a:noFill/>
+          </a:ln>
+          <a:effectLst>
+            <a:outerShdw blurRad="292100" dist="139700" dir="2700000" algn="tl" rotWithShape="0">
+              <a:srgbClr val="333333">
+                <a:alpha val="65000"/>
+              </a:srgbClr>
+            </a:outerShdw>
+          </a:effectLst>
+        </p:spPr>
+      </p:pic>
+      <p:pic>
+        <p:nvPicPr>
+          <p:cNvPr id="15" name="그림 14"/>
+          <p:cNvPicPr>
+            <a:picLocks noChangeAspect="1"/>
+          </p:cNvPicPr>
+          <p:nvPr/>
+        </p:nvPicPr>
+        <p:blipFill>
+          <a:blip r:embed="rId9" cstate="print">
+            <a:extLst>
+              <a:ext uri="{28A0092B-C50C-407E-A947-70E740481C1C}">
+                <a14:useLocalDpi xmlns:a14="http://schemas.microsoft.com/office/drawing/2010/main" val="0"/>
+              </a:ext>
+            </a:extLst>
+          </a:blip>
+          <a:stretch>
+            <a:fillRect/>
+          </a:stretch>
+        </p:blipFill>
+        <p:spPr>
+          <a:xfrm>
+            <a:off x="8935444" y="1603635"/>
+            <a:ext cx="1945445" cy="1094313"/>
+          </a:xfrm>
+          <a:prstGeom prst="rect">
+            <a:avLst/>
+          </a:prstGeom>
+          <a:ln>
+            <a:noFill/>
+          </a:ln>
+          <a:effectLst>
+            <a:outerShdw blurRad="292100" dist="139700" dir="2700000" algn="tl" rotWithShape="0">
+              <a:srgbClr val="333333">
+                <a:alpha val="65000"/>
+              </a:srgbClr>
+            </a:outerShdw>
+          </a:effectLst>
+        </p:spPr>
+      </p:pic>
+      <p:pic>
+        <p:nvPicPr>
+          <p:cNvPr id="16" name="그림 15"/>
+          <p:cNvPicPr>
+            <a:picLocks noChangeAspect="1"/>
+          </p:cNvPicPr>
+          <p:nvPr/>
+        </p:nvPicPr>
+        <p:blipFill>
+          <a:blip r:embed="rId10" cstate="print">
+            <a:extLst>
+              <a:ext uri="{28A0092B-C50C-407E-A947-70E740481C1C}">
+                <a14:useLocalDpi xmlns:a14="http://schemas.microsoft.com/office/drawing/2010/main" val="0"/>
+              </a:ext>
+            </a:extLst>
+          </a:blip>
+          <a:stretch>
+            <a:fillRect/>
+          </a:stretch>
+        </p:blipFill>
+        <p:spPr>
+          <a:xfrm>
+            <a:off x="8935444" y="3204958"/>
+            <a:ext cx="1945445" cy="1094313"/>
+          </a:xfrm>
+          <a:prstGeom prst="rect">
+            <a:avLst/>
+          </a:prstGeom>
+          <a:ln>
+            <a:noFill/>
+          </a:ln>
+          <a:effectLst>
+            <a:outerShdw blurRad="292100" dist="139700" dir="2700000" algn="tl" rotWithShape="0">
+              <a:srgbClr val="333333">
+                <a:alpha val="65000"/>
+              </a:srgbClr>
+            </a:outerShdw>
+          </a:effectLst>
+        </p:spPr>
+      </p:pic>
+      <p:pic>
+        <p:nvPicPr>
+          <p:cNvPr id="17" name="그림 16"/>
+          <p:cNvPicPr>
+            <a:picLocks noChangeAspect="1"/>
+          </p:cNvPicPr>
+          <p:nvPr/>
+        </p:nvPicPr>
+        <p:blipFill>
+          <a:blip r:embed="rId11" cstate="print">
+            <a:extLst>
+              <a:ext uri="{28A0092B-C50C-407E-A947-70E740481C1C}">
+                <a14:useLocalDpi xmlns:a14="http://schemas.microsoft.com/office/drawing/2010/main" val="0"/>
+              </a:ext>
+            </a:extLst>
+          </a:blip>
+          <a:stretch>
+            <a:fillRect/>
+          </a:stretch>
+        </p:blipFill>
+        <p:spPr>
+          <a:xfrm>
+            <a:off x="8935445" y="4806281"/>
+            <a:ext cx="1945445" cy="1094313"/>
+          </a:xfrm>
+          <a:prstGeom prst="rect">
+            <a:avLst/>
+          </a:prstGeom>
+          <a:ln>
+            <a:noFill/>
+          </a:ln>
+          <a:effectLst>
+            <a:outerShdw blurRad="292100" dist="139700" dir="2700000" algn="tl" rotWithShape="0">
+              <a:srgbClr val="333333">
+                <a:alpha val="65000"/>
+              </a:srgbClr>
+            </a:outerShdw>
+          </a:effectLst>
+        </p:spPr>
+      </p:pic>
+      <p:sp>
+        <p:nvSpPr>
+          <p:cNvPr id="18" name="TextBox 17"/>
+          <p:cNvSpPr txBox="1"/>
+          <p:nvPr/>
+        </p:nvSpPr>
+        <p:spPr>
+          <a:xfrm>
+            <a:off x="4989120" y="760836"/>
+            <a:ext cx="1581165" cy="338554"/>
+          </a:xfrm>
+          <a:prstGeom prst="rect">
+            <a:avLst/>
+          </a:prstGeom>
+          <a:noFill/>
+        </p:spPr>
+        <p:txBody>
+          <a:bodyPr wrap="square" rtlCol="0">
+            <a:spAutoFit/>
+          </a:bodyPr>
+          <a:lstStyle/>
+          <a:p>
+            <a:r>
+              <a:rPr lang="en-US" altLang="ko-KR" sz="1600" b="1" dirty="0" smtClean="0">
+                <a:solidFill>
+                  <a:schemeClr val="bg2">
+                    <a:lumMod val="50000"/>
+                  </a:schemeClr>
+                </a:solidFill>
+                <a:latin typeface="나눔고딕" panose="020D0604000000000000" pitchFamily="50" charset="-127"/>
+                <a:ea typeface="나눔고딕" panose="020D0604000000000000" pitchFamily="50" charset="-127"/>
+              </a:rPr>
+              <a:t>PPT </a:t>
+            </a:r>
+            <a:r>
+              <a:rPr lang="ko-KR" altLang="en-US" sz="1600" b="1" dirty="0" smtClean="0">
+                <a:solidFill>
+                  <a:schemeClr val="bg2">
+                    <a:lumMod val="50000"/>
+                  </a:schemeClr>
+                </a:solidFill>
+                <a:latin typeface="나눔고딕" panose="020D0604000000000000" pitchFamily="50" charset="-127"/>
+                <a:ea typeface="나눔고딕" panose="020D0604000000000000" pitchFamily="50" charset="-127"/>
+              </a:rPr>
+              <a:t>디자인 </a:t>
+            </a:r>
+            <a:r>
+              <a:rPr lang="en-US" altLang="ko-KR" sz="1600" b="1" dirty="0" smtClean="0">
+                <a:solidFill>
+                  <a:schemeClr val="bg2">
+                    <a:lumMod val="50000"/>
+                  </a:schemeClr>
+                </a:solidFill>
+                <a:latin typeface="나눔고딕" panose="020D0604000000000000" pitchFamily="50" charset="-127"/>
+                <a:ea typeface="나눔고딕" panose="020D0604000000000000" pitchFamily="50" charset="-127"/>
+              </a:rPr>
+              <a:t>– 2</a:t>
+            </a:r>
+            <a:endParaRPr lang="ko-KR" altLang="en-US" sz="1600" b="1" dirty="0">
+              <a:solidFill>
+                <a:schemeClr val="bg2">
+                  <a:lumMod val="50000"/>
+                </a:schemeClr>
+              </a:solidFill>
+              <a:latin typeface="나눔고딕" panose="020D0604000000000000" pitchFamily="50" charset="-127"/>
+              <a:ea typeface="나눔고딕" panose="020D0604000000000000" pitchFamily="50" charset="-127"/>
+            </a:endParaRPr>
+          </a:p>
+        </p:txBody>
+      </p:sp>
+      <p:sp>
+        <p:nvSpPr>
+          <p:cNvPr id="19" name="TextBox 18"/>
+          <p:cNvSpPr txBox="1"/>
+          <p:nvPr/>
+        </p:nvSpPr>
+        <p:spPr>
+          <a:xfrm>
+            <a:off x="8935444" y="758071"/>
+            <a:ext cx="1581165" cy="338554"/>
+          </a:xfrm>
+          <a:prstGeom prst="rect">
+            <a:avLst/>
+          </a:prstGeom>
+          <a:noFill/>
+        </p:spPr>
+        <p:txBody>
+          <a:bodyPr wrap="square" rtlCol="0">
+            <a:spAutoFit/>
+          </a:bodyPr>
+          <a:lstStyle/>
+          <a:p>
+            <a:r>
+              <a:rPr lang="en-US" altLang="ko-KR" sz="1600" b="1" dirty="0" smtClean="0">
+                <a:solidFill>
+                  <a:schemeClr val="bg2">
+                    <a:lumMod val="50000"/>
+                  </a:schemeClr>
+                </a:solidFill>
+                <a:latin typeface="나눔고딕" panose="020D0604000000000000" pitchFamily="50" charset="-127"/>
+                <a:ea typeface="나눔고딕" panose="020D0604000000000000" pitchFamily="50" charset="-127"/>
+              </a:rPr>
+              <a:t>PPT </a:t>
+            </a:r>
+            <a:r>
+              <a:rPr lang="ko-KR" altLang="en-US" sz="1600" b="1" dirty="0" smtClean="0">
+                <a:solidFill>
+                  <a:schemeClr val="bg2">
+                    <a:lumMod val="50000"/>
+                  </a:schemeClr>
+                </a:solidFill>
+                <a:latin typeface="나눔고딕" panose="020D0604000000000000" pitchFamily="50" charset="-127"/>
+                <a:ea typeface="나눔고딕" panose="020D0604000000000000" pitchFamily="50" charset="-127"/>
+              </a:rPr>
+              <a:t>디자인 </a:t>
+            </a:r>
+            <a:r>
+              <a:rPr lang="en-US" altLang="ko-KR" sz="1600" b="1" dirty="0" smtClean="0">
+                <a:solidFill>
+                  <a:schemeClr val="bg2">
+                    <a:lumMod val="50000"/>
+                  </a:schemeClr>
+                </a:solidFill>
+                <a:latin typeface="나눔고딕" panose="020D0604000000000000" pitchFamily="50" charset="-127"/>
+                <a:ea typeface="나눔고딕" panose="020D0604000000000000" pitchFamily="50" charset="-127"/>
+              </a:rPr>
+              <a:t>– 3</a:t>
+            </a:r>
+            <a:endParaRPr lang="ko-KR" altLang="en-US" sz="1600" b="1" dirty="0">
+              <a:solidFill>
+                <a:schemeClr val="bg2">
+                  <a:lumMod val="50000"/>
+                </a:schemeClr>
+              </a:solidFill>
+              <a:latin typeface="나눔고딕" panose="020D0604000000000000" pitchFamily="50" charset="-127"/>
+              <a:ea typeface="나눔고딕" panose="020D0604000000000000" pitchFamily="50" charset="-127"/>
+            </a:endParaRPr>
+          </a:p>
+        </p:txBody>
+      </p:sp>
+    </p:spTree>
+    <p:extLst>
+      <p:ext uri="{BB962C8B-B14F-4D97-AF65-F5344CB8AC3E}">
+        <p14:creationId xmlns:p14="http://schemas.microsoft.com/office/powerpoint/2010/main" val="1368235686"/>
+      </p:ext>
+    </p:extLst>
+  </p:cSld>
+  <p:clrMapOvr>
+    <a:masterClrMapping/>
+  </p:clrMapOvr>
+  <p:timing>
+    <p:tnLst>
+      <p:par>
+        <p:cTn id="1" dur="indefinite" restart="never" nodeType="tmRoot"/>
+      </p:par>
+    </p:tnLst>
+  </p:timing>
+</p:sld>
+</file>
+
 <file path=ppt/slides/slide2.xml><?xml version="1.0" encoding="utf-8"?>
 <p:sld xmlns:a="http://schemas.openxmlformats.org/drawingml/2006/main" xmlns:r="http://schemas.openxmlformats.org/officeDocument/2006/relationships" xmlns:p="http://schemas.openxmlformats.org/presentationml/2006/main">
   <p:cSld>
@@ -4627,124 +5283,6 @@
           <a:chExt cx="0" cy="0"/>
         </a:xfrm>
       </p:grpSpPr>
-      <p:sp>
-        <p:nvSpPr>
-          <p:cNvPr id="6" name="TextBox 5"/>
-          <p:cNvSpPr txBox="1"/>
-          <p:nvPr/>
-        </p:nvSpPr>
-        <p:spPr>
-          <a:xfrm>
-            <a:off x="1192800" y="760836"/>
-            <a:ext cx="1581165" cy="338554"/>
-          </a:xfrm>
-          <a:prstGeom prst="rect">
-            <a:avLst/>
-          </a:prstGeom>
-          <a:noFill/>
-        </p:spPr>
-        <p:txBody>
-          <a:bodyPr wrap="square" rtlCol="0">
-            <a:spAutoFit/>
-          </a:bodyPr>
-          <a:lstStyle/>
-          <a:p>
-            <a:r>
-              <a:rPr lang="en-US" altLang="ko-KR" sz="1600" b="1" dirty="0" smtClean="0">
-                <a:solidFill>
-                  <a:schemeClr val="bg2">
-                    <a:lumMod val="50000"/>
-                  </a:schemeClr>
-                </a:solidFill>
-                <a:latin typeface="나눔고딕" panose="020D0604000000000000" pitchFamily="50" charset="-127"/>
-                <a:ea typeface="나눔고딕" panose="020D0604000000000000" pitchFamily="50" charset="-127"/>
-              </a:rPr>
-              <a:t>PPT </a:t>
-            </a:r>
-            <a:r>
-              <a:rPr lang="ko-KR" altLang="en-US" sz="1600" b="1" dirty="0" smtClean="0">
-                <a:solidFill>
-                  <a:schemeClr val="bg2">
-                    <a:lumMod val="50000"/>
-                  </a:schemeClr>
-                </a:solidFill>
-                <a:latin typeface="나눔고딕" panose="020D0604000000000000" pitchFamily="50" charset="-127"/>
-                <a:ea typeface="나눔고딕" panose="020D0604000000000000" pitchFamily="50" charset="-127"/>
-              </a:rPr>
-              <a:t>디자인  </a:t>
-            </a:r>
-            <a:r>
-              <a:rPr lang="en-US" altLang="ko-KR" sz="1600" b="1" dirty="0" smtClean="0">
-                <a:solidFill>
-                  <a:schemeClr val="bg2">
-                    <a:lumMod val="50000"/>
-                  </a:schemeClr>
-                </a:solidFill>
-                <a:latin typeface="나눔고딕" panose="020D0604000000000000" pitchFamily="50" charset="-127"/>
-                <a:ea typeface="나눔고딕" panose="020D0604000000000000" pitchFamily="50" charset="-127"/>
-              </a:rPr>
-              <a:t>– 1</a:t>
-            </a:r>
-            <a:endParaRPr lang="ko-KR" altLang="en-US" sz="1600" b="1" dirty="0">
-              <a:solidFill>
-                <a:schemeClr val="bg2">
-                  <a:lumMod val="50000"/>
-                </a:schemeClr>
-              </a:solidFill>
-              <a:latin typeface="나눔고딕" panose="020D0604000000000000" pitchFamily="50" charset="-127"/>
-              <a:ea typeface="나눔고딕" panose="020D0604000000000000" pitchFamily="50" charset="-127"/>
-            </a:endParaRPr>
-          </a:p>
-        </p:txBody>
-      </p:sp>
-      <p:sp>
-        <p:nvSpPr>
-          <p:cNvPr id="13" name="TextBox 12">
-            <a:hlinkClick r:id="rId2" action="ppaction://hlinksldjump"/>
-          </p:cNvPr>
-          <p:cNvSpPr txBox="1"/>
-          <p:nvPr/>
-        </p:nvSpPr>
-        <p:spPr>
-          <a:xfrm>
-            <a:off x="7565544" y="6363091"/>
-            <a:ext cx="954107" cy="338554"/>
-          </a:xfrm>
-          <a:prstGeom prst="rect">
-            <a:avLst/>
-          </a:prstGeom>
-          <a:noFill/>
-        </p:spPr>
-        <p:txBody>
-          <a:bodyPr wrap="none" rtlCol="0">
-            <a:spAutoFit/>
-          </a:bodyPr>
-          <a:lstStyle/>
-          <a:p>
-            <a:r>
-              <a:rPr lang="ko-KR" altLang="en-US" sz="1600" b="1" dirty="0" smtClean="0">
-                <a:solidFill>
-                  <a:schemeClr val="bg2">
-                    <a:lumMod val="50000"/>
-                  </a:schemeClr>
-                </a:solidFill>
-                <a:latin typeface="나눔고딕" panose="020D0604000000000000" pitchFamily="50" charset="-127"/>
-                <a:ea typeface="나눔고딕" panose="020D0604000000000000" pitchFamily="50" charset="-127"/>
-              </a:rPr>
-              <a:t>돌아가기</a:t>
-            </a:r>
-            <a:endParaRPr lang="ko-KR" altLang="en-US" sz="1600" b="1" dirty="0">
-              <a:solidFill>
-                <a:schemeClr val="bg2">
-                  <a:lumMod val="50000"/>
-                </a:schemeClr>
-              </a:solidFill>
-              <a:latin typeface="나눔고딕" panose="020D0604000000000000" pitchFamily="50" charset="-127"/>
-              <a:ea typeface="나눔고딕" panose="020D0604000000000000" pitchFamily="50" charset="-127"/>
-            </a:endParaRPr>
-          </a:p>
-        </p:txBody>
-      </p:sp>
       <p:pic>
         <p:nvPicPr>
           <p:cNvPr id="2" name="그림 1"/>
@@ -4754,7 +5292,7 @@
           <p:nvPr/>
         </p:nvPicPr>
         <p:blipFill>
-          <a:blip r:embed="rId3" cstate="print">
+          <a:blip r:embed="rId2">
             <a:extLst>
               <a:ext uri="{28A0092B-C50C-407E-A947-70E740481C1C}">
                 <a14:useLocalDpi xmlns:a14="http://schemas.microsoft.com/office/drawing/2010/main" val="0"/>
@@ -4767,354 +5305,26 @@
         </p:blipFill>
         <p:spPr>
           <a:xfrm>
-            <a:off x="1192801" y="1605479"/>
-            <a:ext cx="1945445" cy="1094313"/>
+            <a:off x="1524000" y="0"/>
+            <a:ext cx="9144000" cy="6858000"/>
           </a:xfrm>
           <a:prstGeom prst="rect">
             <a:avLst/>
           </a:prstGeom>
-          <a:ln>
-            <a:noFill/>
-          </a:ln>
-          <a:effectLst>
-            <a:outerShdw blurRad="292100" dist="139700" dir="2700000" algn="tl" rotWithShape="0">
-              <a:srgbClr val="333333">
-                <a:alpha val="65000"/>
-              </a:srgbClr>
-            </a:outerShdw>
-          </a:effectLst>
         </p:spPr>
       </p:pic>
-      <p:pic>
-        <p:nvPicPr>
-          <p:cNvPr id="3" name="그림 2"/>
-          <p:cNvPicPr>
-            <a:picLocks noChangeAspect="1"/>
-          </p:cNvPicPr>
-          <p:nvPr/>
-        </p:nvPicPr>
-        <p:blipFill>
-          <a:blip r:embed="rId4" cstate="print">
-            <a:extLst>
-              <a:ext uri="{28A0092B-C50C-407E-A947-70E740481C1C}">
-                <a14:useLocalDpi xmlns:a14="http://schemas.microsoft.com/office/drawing/2010/main" val="0"/>
-              </a:ext>
-            </a:extLst>
-          </a:blip>
-          <a:stretch>
-            <a:fillRect/>
-          </a:stretch>
-        </p:blipFill>
-        <p:spPr>
-          <a:xfrm>
-            <a:off x="1192800" y="3205880"/>
-            <a:ext cx="1945445" cy="1094313"/>
-          </a:xfrm>
-          <a:prstGeom prst="rect">
-            <a:avLst/>
-          </a:prstGeom>
-          <a:ln>
-            <a:noFill/>
-          </a:ln>
-          <a:effectLst>
-            <a:outerShdw blurRad="292100" dist="139700" dir="2700000" algn="tl" rotWithShape="0">
-              <a:srgbClr val="333333">
-                <a:alpha val="65000"/>
-              </a:srgbClr>
-            </a:outerShdw>
-          </a:effectLst>
-        </p:spPr>
-      </p:pic>
-      <p:pic>
-        <p:nvPicPr>
-          <p:cNvPr id="4" name="그림 3"/>
-          <p:cNvPicPr>
-            <a:picLocks noChangeAspect="1"/>
-          </p:cNvPicPr>
-          <p:nvPr/>
-        </p:nvPicPr>
-        <p:blipFill>
-          <a:blip r:embed="rId5" cstate="print">
-            <a:extLst>
-              <a:ext uri="{28A0092B-C50C-407E-A947-70E740481C1C}">
-                <a14:useLocalDpi xmlns:a14="http://schemas.microsoft.com/office/drawing/2010/main" val="0"/>
-              </a:ext>
-            </a:extLst>
-          </a:blip>
-          <a:stretch>
-            <a:fillRect/>
-          </a:stretch>
-        </p:blipFill>
-        <p:spPr>
-          <a:xfrm>
-            <a:off x="1192800" y="4806282"/>
-            <a:ext cx="1945445" cy="1094313"/>
-          </a:xfrm>
-          <a:prstGeom prst="rect">
-            <a:avLst/>
-          </a:prstGeom>
-          <a:ln>
-            <a:noFill/>
-          </a:ln>
-          <a:effectLst>
-            <a:outerShdw blurRad="292100" dist="139700" dir="2700000" algn="tl" rotWithShape="0">
-              <a:srgbClr val="333333">
-                <a:alpha val="65000"/>
-              </a:srgbClr>
-            </a:outerShdw>
-          </a:effectLst>
-        </p:spPr>
-      </p:pic>
-      <p:pic>
-        <p:nvPicPr>
-          <p:cNvPr id="7" name="그림 6"/>
-          <p:cNvPicPr>
-            <a:picLocks noChangeAspect="1"/>
-          </p:cNvPicPr>
-          <p:nvPr/>
-        </p:nvPicPr>
-        <p:blipFill>
-          <a:blip r:embed="rId6" cstate="print">
-            <a:extLst>
-              <a:ext uri="{28A0092B-C50C-407E-A947-70E740481C1C}">
-                <a14:useLocalDpi xmlns:a14="http://schemas.microsoft.com/office/drawing/2010/main" val="0"/>
-              </a:ext>
-            </a:extLst>
-          </a:blip>
-          <a:stretch>
-            <a:fillRect/>
-          </a:stretch>
-        </p:blipFill>
-        <p:spPr>
-          <a:xfrm>
-            <a:off x="4989120" y="1605479"/>
-            <a:ext cx="1945445" cy="1094313"/>
-          </a:xfrm>
-          <a:prstGeom prst="rect">
-            <a:avLst/>
-          </a:prstGeom>
-          <a:ln>
-            <a:noFill/>
-          </a:ln>
-          <a:effectLst>
-            <a:outerShdw blurRad="292100" dist="139700" dir="2700000" algn="tl" rotWithShape="0">
-              <a:srgbClr val="333333">
-                <a:alpha val="65000"/>
-              </a:srgbClr>
-            </a:outerShdw>
-          </a:effectLst>
-        </p:spPr>
-      </p:pic>
-      <p:pic>
-        <p:nvPicPr>
-          <p:cNvPr id="12" name="그림 11"/>
-          <p:cNvPicPr>
-            <a:picLocks noChangeAspect="1"/>
-          </p:cNvPicPr>
-          <p:nvPr/>
-        </p:nvPicPr>
-        <p:blipFill>
-          <a:blip r:embed="rId7" cstate="print">
-            <a:extLst>
-              <a:ext uri="{28A0092B-C50C-407E-A947-70E740481C1C}">
-                <a14:useLocalDpi xmlns:a14="http://schemas.microsoft.com/office/drawing/2010/main" val="0"/>
-              </a:ext>
-            </a:extLst>
-          </a:blip>
-          <a:stretch>
-            <a:fillRect/>
-          </a:stretch>
-        </p:blipFill>
-        <p:spPr>
-          <a:xfrm>
-            <a:off x="4989121" y="3205880"/>
-            <a:ext cx="1945445" cy="1094313"/>
-          </a:xfrm>
-          <a:prstGeom prst="rect">
-            <a:avLst/>
-          </a:prstGeom>
-          <a:ln>
-            <a:noFill/>
-          </a:ln>
-          <a:effectLst>
-            <a:outerShdw blurRad="292100" dist="139700" dir="2700000" algn="tl" rotWithShape="0">
-              <a:srgbClr val="333333">
-                <a:alpha val="65000"/>
-              </a:srgbClr>
-            </a:outerShdw>
-          </a:effectLst>
-        </p:spPr>
-      </p:pic>
-      <p:pic>
-        <p:nvPicPr>
-          <p:cNvPr id="14" name="그림 13"/>
-          <p:cNvPicPr>
-            <a:picLocks noChangeAspect="1"/>
-          </p:cNvPicPr>
-          <p:nvPr/>
-        </p:nvPicPr>
-        <p:blipFill>
-          <a:blip r:embed="rId8" cstate="print">
-            <a:extLst>
-              <a:ext uri="{28A0092B-C50C-407E-A947-70E740481C1C}">
-                <a14:useLocalDpi xmlns:a14="http://schemas.microsoft.com/office/drawing/2010/main" val="0"/>
-              </a:ext>
-            </a:extLst>
-          </a:blip>
-          <a:stretch>
-            <a:fillRect/>
-          </a:stretch>
-        </p:blipFill>
-        <p:spPr>
-          <a:xfrm>
-            <a:off x="4989122" y="4806281"/>
-            <a:ext cx="1945445" cy="1094313"/>
-          </a:xfrm>
-          <a:prstGeom prst="rect">
-            <a:avLst/>
-          </a:prstGeom>
-          <a:ln>
-            <a:noFill/>
-          </a:ln>
-          <a:effectLst>
-            <a:outerShdw blurRad="292100" dist="139700" dir="2700000" algn="tl" rotWithShape="0">
-              <a:srgbClr val="333333">
-                <a:alpha val="65000"/>
-              </a:srgbClr>
-            </a:outerShdw>
-          </a:effectLst>
-        </p:spPr>
-      </p:pic>
-      <p:pic>
-        <p:nvPicPr>
-          <p:cNvPr id="15" name="그림 14"/>
-          <p:cNvPicPr>
-            <a:picLocks noChangeAspect="1"/>
-          </p:cNvPicPr>
-          <p:nvPr/>
-        </p:nvPicPr>
-        <p:blipFill>
-          <a:blip r:embed="rId9" cstate="print">
-            <a:extLst>
-              <a:ext uri="{28A0092B-C50C-407E-A947-70E740481C1C}">
-                <a14:useLocalDpi xmlns:a14="http://schemas.microsoft.com/office/drawing/2010/main" val="0"/>
-              </a:ext>
-            </a:extLst>
-          </a:blip>
-          <a:stretch>
-            <a:fillRect/>
-          </a:stretch>
-        </p:blipFill>
-        <p:spPr>
-          <a:xfrm>
-            <a:off x="8935444" y="1603635"/>
-            <a:ext cx="1945445" cy="1094313"/>
-          </a:xfrm>
-          <a:prstGeom prst="rect">
-            <a:avLst/>
-          </a:prstGeom>
-          <a:ln>
-            <a:noFill/>
-          </a:ln>
-          <a:effectLst>
-            <a:outerShdw blurRad="292100" dist="139700" dir="2700000" algn="tl" rotWithShape="0">
-              <a:srgbClr val="333333">
-                <a:alpha val="65000"/>
-              </a:srgbClr>
-            </a:outerShdw>
-          </a:effectLst>
-        </p:spPr>
-      </p:pic>
-      <p:pic>
-        <p:nvPicPr>
-          <p:cNvPr id="16" name="그림 15"/>
-          <p:cNvPicPr>
-            <a:picLocks noChangeAspect="1"/>
-          </p:cNvPicPr>
-          <p:nvPr/>
-        </p:nvPicPr>
-        <p:blipFill>
-          <a:blip r:embed="rId10" cstate="print">
-            <a:extLst>
-              <a:ext uri="{28A0092B-C50C-407E-A947-70E740481C1C}">
-                <a14:useLocalDpi xmlns:a14="http://schemas.microsoft.com/office/drawing/2010/main" val="0"/>
-              </a:ext>
-            </a:extLst>
-          </a:blip>
-          <a:stretch>
-            <a:fillRect/>
-          </a:stretch>
-        </p:blipFill>
-        <p:spPr>
-          <a:xfrm>
-            <a:off x="8935444" y="3204958"/>
-            <a:ext cx="1945445" cy="1094313"/>
-          </a:xfrm>
-          <a:prstGeom prst="rect">
-            <a:avLst/>
-          </a:prstGeom>
-          <a:ln>
-            <a:noFill/>
-          </a:ln>
-          <a:effectLst>
-            <a:outerShdw blurRad="292100" dist="139700" dir="2700000" algn="tl" rotWithShape="0">
-              <a:srgbClr val="333333">
-                <a:alpha val="65000"/>
-              </a:srgbClr>
-            </a:outerShdw>
-          </a:effectLst>
-        </p:spPr>
-      </p:pic>
-      <p:pic>
-        <p:nvPicPr>
-          <p:cNvPr id="17" name="그림 16"/>
-          <p:cNvPicPr>
-            <a:picLocks noChangeAspect="1"/>
-          </p:cNvPicPr>
-          <p:nvPr/>
-        </p:nvPicPr>
-        <p:blipFill>
-          <a:blip r:embed="rId11" cstate="print">
-            <a:extLst>
-              <a:ext uri="{28A0092B-C50C-407E-A947-70E740481C1C}">
-                <a14:useLocalDpi xmlns:a14="http://schemas.microsoft.com/office/drawing/2010/main" val="0"/>
-              </a:ext>
-            </a:extLst>
-          </a:blip>
-          <a:stretch>
-            <a:fillRect/>
-          </a:stretch>
-        </p:blipFill>
-        <p:spPr>
-          <a:xfrm>
-            <a:off x="8935445" y="4806281"/>
-            <a:ext cx="1945445" cy="1094313"/>
-          </a:xfrm>
-          <a:prstGeom prst="rect">
-            <a:avLst/>
-          </a:prstGeom>
-          <a:ln>
-            <a:noFill/>
-          </a:ln>
-          <a:effectLst>
-            <a:outerShdw blurRad="292100" dist="139700" dir="2700000" algn="tl" rotWithShape="0">
-              <a:srgbClr val="333333">
-                <a:alpha val="65000"/>
-              </a:srgbClr>
-            </a:outerShdw>
-          </a:effectLst>
-        </p:spPr>
-      </p:pic>
-      <p:sp>
-        <p:nvSpPr>
-          <p:cNvPr id="18" name="TextBox 17"/>
+      <p:sp>
+        <p:nvSpPr>
+          <p:cNvPr id="13" name="TextBox 12">
+            <a:hlinkClick r:id="rId3" action="ppaction://hlinksldjump"/>
+          </p:cNvPr>
           <p:cNvSpPr txBox="1"/>
           <p:nvPr/>
         </p:nvSpPr>
         <p:spPr>
           <a:xfrm>
-            <a:off x="4989120" y="760836"/>
-            <a:ext cx="1581165" cy="338554"/>
+            <a:off x="7565544" y="6363091"/>
+            <a:ext cx="954107" cy="338554"/>
           </a:xfrm>
           <a:prstGeom prst="rect">
             <a:avLst/>
@@ -5122,13 +5332,13 @@
           <a:noFill/>
         </p:spPr>
         <p:txBody>
-          <a:bodyPr wrap="square" rtlCol="0">
+          <a:bodyPr wrap="none" rtlCol="0">
             <a:spAutoFit/>
           </a:bodyPr>
           <a:lstStyle/>
           <a:p>
             <a:r>
-              <a:rPr lang="en-US" altLang="ko-KR" sz="1600" b="1" dirty="0" smtClean="0">
+              <a:rPr lang="ko-KR" altLang="en-US" sz="1600" b="1" dirty="0" smtClean="0">
                 <a:solidFill>
                   <a:schemeClr val="bg2">
                     <a:lumMod val="50000"/>
@@ -5137,31 +5347,7 @@
                 <a:latin typeface="나눔고딕" panose="020D0604000000000000" pitchFamily="50" charset="-127"/>
                 <a:ea typeface="나눔고딕" panose="020D0604000000000000" pitchFamily="50" charset="-127"/>
               </a:rPr>
-              <a:t>PPT </a:t>
-            </a:r>
-            <a:r>
-              <a:rPr lang="ko-KR" altLang="en-US" sz="1600" b="1" dirty="0" smtClean="0">
-                <a:solidFill>
-                  <a:schemeClr val="bg2">
-                    <a:lumMod val="50000"/>
-                  </a:schemeClr>
-                </a:solidFill>
-                <a:latin typeface="나눔고딕" panose="020D0604000000000000" pitchFamily="50" charset="-127"/>
-                <a:ea typeface="나눔고딕" panose="020D0604000000000000" pitchFamily="50" charset="-127"/>
-              </a:rPr>
-              <a:t>디자인 </a:t>
-            </a:r>
-            <a:r>
-              <a:rPr lang="en-US" altLang="ko-KR" sz="1600" b="1" dirty="0" smtClean="0">
-                <a:solidFill>
-                  <a:schemeClr val="bg2">
-                    <a:lumMod val="50000"/>
-                  </a:schemeClr>
-                </a:solidFill>
-                <a:latin typeface="나눔고딕" panose="020D0604000000000000" pitchFamily="50" charset="-127"/>
-                <a:ea typeface="나눔고딕" panose="020D0604000000000000" pitchFamily="50" charset="-127"/>
-              </a:rPr>
-              <a:t>– 2</a:t>
+              <a:t>돌아가기</a:t>
             </a:r>
             <a:endParaRPr lang="ko-KR" altLang="en-US" sz="1600" b="1" dirty="0">
               <a:solidFill>
@@ -5175,80 +5361,10 @@
           </a:p>
         </p:txBody>
       </p:sp>
-      <p:sp>
-        <p:nvSpPr>
-          <p:cNvPr id="19" name="TextBox 18"/>
-          <p:cNvSpPr txBox="1"/>
-          <p:nvPr/>
-        </p:nvSpPr>
-        <p:spPr>
-          <a:xfrm>
-            <a:off x="8935444" y="758071"/>
-            <a:ext cx="1581165" cy="338554"/>
-          </a:xfrm>
-          <a:prstGeom prst="rect">
-            <a:avLst/>
-          </a:prstGeom>
-          <a:noFill/>
-        </p:spPr>
-        <p:txBody>
-          <a:bodyPr wrap="square" rtlCol="0">
-            <a:spAutoFit/>
-          </a:bodyPr>
-          <a:lstStyle/>
-          <a:p>
-            <a:r>
-              <a:rPr lang="en-US" altLang="ko-KR" sz="1600" b="1" dirty="0" smtClean="0">
-                <a:solidFill>
-                  <a:schemeClr val="bg2">
-                    <a:lumMod val="50000"/>
-                  </a:schemeClr>
-                </a:solidFill>
-                <a:latin typeface="나눔고딕" panose="020D0604000000000000" pitchFamily="50" charset="-127"/>
-                <a:ea typeface="나눔고딕" panose="020D0604000000000000" pitchFamily="50" charset="-127"/>
-              </a:rPr>
-              <a:t>PPT </a:t>
-            </a:r>
-            <a:r>
-              <a:rPr lang="ko-KR" altLang="en-US" sz="1600" b="1" dirty="0" smtClean="0">
-                <a:solidFill>
-                  <a:schemeClr val="bg2">
-                    <a:lumMod val="50000"/>
-                  </a:schemeClr>
-                </a:solidFill>
-                <a:latin typeface="나눔고딕" panose="020D0604000000000000" pitchFamily="50" charset="-127"/>
-                <a:ea typeface="나눔고딕" panose="020D0604000000000000" pitchFamily="50" charset="-127"/>
-              </a:rPr>
-              <a:t>디자인 </a:t>
-            </a:r>
-            <a:r>
-              <a:rPr lang="en-US" altLang="ko-KR" sz="1600" b="1" dirty="0" smtClean="0">
-                <a:solidFill>
-                  <a:schemeClr val="bg2">
-                    <a:lumMod val="50000"/>
-                  </a:schemeClr>
-                </a:solidFill>
-                <a:latin typeface="나눔고딕" panose="020D0604000000000000" pitchFamily="50" charset="-127"/>
-                <a:ea typeface="나눔고딕" panose="020D0604000000000000" pitchFamily="50" charset="-127"/>
-              </a:rPr>
-              <a:t>– 3</a:t>
-            </a:r>
-            <a:endParaRPr lang="ko-KR" altLang="en-US" sz="1600" b="1" dirty="0">
-              <a:solidFill>
-                <a:schemeClr val="bg2">
-                  <a:lumMod val="50000"/>
-                </a:schemeClr>
-              </a:solidFill>
-              <a:latin typeface="나눔고딕" panose="020D0604000000000000" pitchFamily="50" charset="-127"/>
-              <a:ea typeface="나눔고딕" panose="020D0604000000000000" pitchFamily="50" charset="-127"/>
-            </a:endParaRPr>
-          </a:p>
-        </p:txBody>
-      </p:sp>
     </p:spTree>
     <p:extLst>
       <p:ext uri="{BB962C8B-B14F-4D97-AF65-F5344CB8AC3E}">
-        <p14:creationId xmlns:p14="http://schemas.microsoft.com/office/powerpoint/2010/main" val="1368235686"/>
+        <p14:creationId xmlns:p14="http://schemas.microsoft.com/office/powerpoint/2010/main" val="4229767273"/>
       </p:ext>
     </p:extLst>
   </p:cSld>
